--- a/zaverecna_zprava.pptx
+++ b/zaverecna_zprava.pptx
@@ -187,15 +187,6 @@
 </p188:authorLst>
 </file>
 
-<file path=ppt/revisionInfo.xml><?xml version="1.0" encoding="utf-8"?>
-<p1510:revInfo xmlns:a="http://schemas.openxmlformats.org/drawingml/2006/main" xmlns:r="http://schemas.openxmlformats.org/officeDocument/2006/relationships" xmlns:p1510="http://schemas.microsoft.com/office/powerpoint/2015/10/main">
-  <p1510:revLst>
-    <p1510:client id="{3564D1EB-CAE7-E149-8343-F13CE5B7B2EB}" v="1" dt="2026-01-23T16:13:49.098"/>
-    <p1510:client id="{F9EF98AD-FB25-AD2C-028F-D74624FAD57C}" v="31" dt="2026-01-23T14:36:51.502"/>
-  </p1510:revLst>
-</p1510:revInfo>
-</file>
-
 <file path=ppt/changesInfos/changesInfo1.xml><?xml version="1.0" encoding="utf-8"?>
 <pc:chgInfo xmlns:a="http://schemas.openxmlformats.org/drawingml/2006/main" xmlns:r="http://schemas.openxmlformats.org/officeDocument/2006/relationships" xmlns:ac="http://schemas.microsoft.com/office/drawing/2013/main/command" xmlns:pc="http://schemas.microsoft.com/office/powerpoint/2013/main/command">
   <pc:docChgLst>
@@ -241,7 +232,7 @@
   <pc:docChgLst>
     <pc:chgData name="Hana Žahourová" userId="230038c9-a3ca-4475-b002-a1afd1b1f2d3" providerId="ADAL" clId="{0B286381-0C14-58E2-A012-C306F8E3D3E3}"/>
     <pc:docChg chg="custSel delSld modSld">
-      <pc:chgData name="Hana Žahourová" userId="230038c9-a3ca-4475-b002-a1afd1b1f2d3" providerId="ADAL" clId="{0B286381-0C14-58E2-A012-C306F8E3D3E3}" dt="2026-01-23T16:17:34.737" v="42" actId="14100"/>
+      <pc:chgData name="Hana Žahourová" userId="230038c9-a3ca-4475-b002-a1afd1b1f2d3" providerId="ADAL" clId="{0B286381-0C14-58E2-A012-C306F8E3D3E3}" dt="2026-01-24T22:02:38.702" v="61" actId="20577"/>
       <pc:docMkLst>
         <pc:docMk/>
       </pc:docMkLst>
@@ -346,6 +337,21 @@
             <pc:docMk/>
             <pc:sldMk cId="1582384601" sldId="374"/>
             <ac:spMk id="6" creationId="{70E0C344-C585-5D56-660E-23C254A93614}"/>
+          </ac:spMkLst>
+        </pc:spChg>
+      </pc:sldChg>
+      <pc:sldChg chg="modSp mod">
+        <pc:chgData name="Hana Žahourová" userId="230038c9-a3ca-4475-b002-a1afd1b1f2d3" providerId="ADAL" clId="{0B286381-0C14-58E2-A012-C306F8E3D3E3}" dt="2026-01-24T22:02:38.702" v="61" actId="20577"/>
+        <pc:sldMkLst>
+          <pc:docMk/>
+          <pc:sldMk cId="1288999651" sldId="376"/>
+        </pc:sldMkLst>
+        <pc:spChg chg="mod">
+          <ac:chgData name="Hana Žahourová" userId="230038c9-a3ca-4475-b002-a1afd1b1f2d3" providerId="ADAL" clId="{0B286381-0C14-58E2-A012-C306F8E3D3E3}" dt="2026-01-24T22:02:38.702" v="61" actId="20577"/>
+          <ac:spMkLst>
+            <pc:docMk/>
+            <pc:sldMk cId="1288999651" sldId="376"/>
+            <ac:spMk id="3" creationId="{8C27B363-7FBE-8CD4-9A02-EE865B8D232E}"/>
           </ac:spMkLst>
         </pc:spChg>
       </pc:sldChg>
@@ -2125,7 +2131,7 @@
           <a:p>
             <a:fld id="{8B329ADC-2255-4EF3-B5C0-B90829E78CD9}" type="datetimeFigureOut">
               <a:rPr lang="cs-CZ" smtClean="0"/>
-              <a:t>23.01.2026</a:t>
+              <a:t>24.01.2026</a:t>
             </a:fld>
             <a:endParaRPr lang="cs-CZ"/>
           </a:p>
@@ -2283,7 +2289,7 @@
           <a:p>
             <a:fld id="{8B329ADC-2255-4EF3-B5C0-B90829E78CD9}" type="datetimeFigureOut">
               <a:rPr lang="cs-CZ" smtClean="0"/>
-              <a:t>23.01.2026</a:t>
+              <a:t>24.01.2026</a:t>
             </a:fld>
             <a:endParaRPr lang="cs-CZ"/>
           </a:p>
@@ -4006,7 +4012,7 @@
           <a:p>
             <a:fld id="{8B329ADC-2255-4EF3-B5C0-B90829E78CD9}" type="datetimeFigureOut">
               <a:rPr lang="cs-CZ" smtClean="0"/>
-              <a:t>23.01.2026</a:t>
+              <a:t>24.01.2026</a:t>
             </a:fld>
             <a:endParaRPr lang="cs-CZ"/>
           </a:p>
@@ -4306,7 +4312,7 @@
           <a:p>
             <a:fld id="{8B329ADC-2255-4EF3-B5C0-B90829E78CD9}" type="datetimeFigureOut">
               <a:rPr lang="cs-CZ" smtClean="0"/>
-              <a:t>23.01.2026</a:t>
+              <a:t>24.01.2026</a:t>
             </a:fld>
             <a:endParaRPr lang="cs-CZ"/>
           </a:p>
@@ -4944,7 +4950,7 @@
           <a:p>
             <a:fld id="{8B329ADC-2255-4EF3-B5C0-B90829E78CD9}" type="datetimeFigureOut">
               <a:rPr lang="cs-CZ" smtClean="0"/>
-              <a:t>23.01.2026</a:t>
+              <a:t>24.01.2026</a:t>
             </a:fld>
             <a:endParaRPr lang="cs-CZ"/>
           </a:p>
@@ -5176,7 +5182,7 @@
           <a:p>
             <a:fld id="{8B329ADC-2255-4EF3-B5C0-B90829E78CD9}" type="datetimeFigureOut">
               <a:rPr lang="cs-CZ" smtClean="0"/>
-              <a:t>23.01.2026</a:t>
+              <a:t>24.01.2026</a:t>
             </a:fld>
             <a:endParaRPr lang="cs-CZ"/>
           </a:p>
@@ -5463,7 +5469,7 @@
           <a:p>
             <a:fld id="{8B329ADC-2255-4EF3-B5C0-B90829E78CD9}" type="datetimeFigureOut">
               <a:rPr lang="cs-CZ" smtClean="0"/>
-              <a:t>23.01.2026</a:t>
+              <a:t>24.01.2026</a:t>
             </a:fld>
             <a:endParaRPr lang="cs-CZ"/>
           </a:p>
@@ -5740,7 +5746,7 @@
           <a:p>
             <a:fld id="{8B329ADC-2255-4EF3-B5C0-B90829E78CD9}" type="datetimeFigureOut">
               <a:rPr lang="cs-CZ" smtClean="0"/>
-              <a:t>23.01.2026</a:t>
+              <a:t>24.01.2026</a:t>
             </a:fld>
             <a:endParaRPr lang="cs-CZ"/>
           </a:p>
@@ -6164,7 +6170,7 @@
           <a:p>
             <a:fld id="{8B329ADC-2255-4EF3-B5C0-B90829E78CD9}" type="datetimeFigureOut">
               <a:rPr lang="cs-CZ" smtClean="0"/>
-              <a:t>23.01.2026</a:t>
+              <a:t>24.01.2026</a:t>
             </a:fld>
             <a:endParaRPr lang="cs-CZ"/>
           </a:p>
@@ -6317,7 +6323,7 @@
           <a:p>
             <a:fld id="{8B329ADC-2255-4EF3-B5C0-B90829E78CD9}" type="datetimeFigureOut">
               <a:rPr lang="cs-CZ" smtClean="0"/>
-              <a:t>23.01.2026</a:t>
+              <a:t>24.01.2026</a:t>
             </a:fld>
             <a:endParaRPr lang="cs-CZ"/>
           </a:p>
@@ -6470,7 +6476,7 @@
           <a:p>
             <a:fld id="{8B329ADC-2255-4EF3-B5C0-B90829E78CD9}" type="datetimeFigureOut">
               <a:rPr lang="cs-CZ" smtClean="0"/>
-              <a:t>23.01.2026</a:t>
+              <a:t>24.01.2026</a:t>
             </a:fld>
             <a:endParaRPr lang="cs-CZ"/>
           </a:p>
@@ -6787,7 +6793,7 @@
           <a:p>
             <a:fld id="{CD529CD2-0146-4F3B-A4AA-75EB0CF2F752}" type="datetimeFigureOut">
               <a:rPr lang="cs-CZ" smtClean="0"/>
-              <a:t>23.01.2026</a:t>
+              <a:t>24.01.2026</a:t>
             </a:fld>
             <a:endParaRPr lang="cs-CZ"/>
           </a:p>
@@ -7408,7 +7414,7 @@
           <a:p>
             <a:fld id="{CD529CD2-0146-4F3B-A4AA-75EB0CF2F752}" type="datetimeFigureOut">
               <a:rPr lang="cs-CZ" smtClean="0"/>
-              <a:t>23.01.2026</a:t>
+              <a:t>24.01.2026</a:t>
             </a:fld>
             <a:endParaRPr lang="cs-CZ"/>
           </a:p>
@@ -8104,7 +8110,7 @@
             <a:fld id="{8B329ADC-2255-4EF3-B5C0-B90829E78CD9}" type="datetimeFigureOut">
               <a:rPr lang="cs-CZ" smtClean="0"/>
               <a:pPr/>
-              <a:t>23.01.2026</a:t>
+              <a:t>24.01.2026</a:t>
             </a:fld>
             <a:endParaRPr lang="cs-CZ" dirty="0">
               <a:latin typeface="Arial" panose="020B0604020202020204" pitchFamily="34" charset="0"/>
@@ -24688,7 +24694,7 @@
             </a:pPr>
             <a:r>
               <a:rPr lang="cs-CZ" dirty="0"/>
-              <a:t>Jaký je vliv socioekonomických faktorů na úmrtnost?</a:t>
+              <a:t>Jaký je vliv socioekonomických faktorů na úmrtnost? </a:t>
             </a:r>
           </a:p>
           <a:p>
@@ -47837,6 +47843,17 @@
 </file>
 
 <file path=customXml/item1.xml><?xml version="1.0" encoding="utf-8"?>
+<p:properties xmlns:p="http://schemas.microsoft.com/office/2006/metadata/properties" xmlns:xsi="http://www.w3.org/2001/XMLSchema-instance" xmlns:pc="http://schemas.microsoft.com/office/infopath/2007/PartnerControls">
+  <documentManagement>
+    <lcf76f155ced4ddcb4097134ff3c332f xmlns="7fe71cfb-81ed-4b9d-9a1f-cae1a72b62ba">
+      <Terms xmlns="http://schemas.microsoft.com/office/infopath/2007/PartnerControls"/>
+    </lcf76f155ced4ddcb4097134ff3c332f>
+    <TaxCatchAll xmlns="184be059-f9c1-47a1-baeb-6b78fb5c2cd7" xsi:nil="true"/>
+  </documentManagement>
+</p:properties>
+</file>
+
+<file path=customXml/item2.xml><?xml version="1.0" encoding="utf-8"?>
 <ct:contentTypeSchema xmlns:ct="http://schemas.microsoft.com/office/2006/metadata/contentType" xmlns:ma="http://schemas.microsoft.com/office/2006/metadata/properties/metaAttributes" ct:_="" ma:_="" ma:contentTypeName="Dokument" ma:contentTypeID="0x010100A5EAD61CDED85140BF5B934B48DD3484" ma:contentTypeVersion="15" ma:contentTypeDescription="Vytvoří nový dokument" ma:contentTypeScope="" ma:versionID="57c7acc678d4da0b8ba39acd8e916ed2">
   <xsd:schema xmlns:xsd="http://www.w3.org/2001/XMLSchema" xmlns:xs="http://www.w3.org/2001/XMLSchema" xmlns:p="http://schemas.microsoft.com/office/2006/metadata/properties" xmlns:ns2="7fe71cfb-81ed-4b9d-9a1f-cae1a72b62ba" xmlns:ns3="184be059-f9c1-47a1-baeb-6b78fb5c2cd7" targetNamespace="http://schemas.microsoft.com/office/2006/metadata/properties" ma:root="true" ma:fieldsID="00b82b4a7cf6d93894e416bb4502bf8f" ns2:_="" ns3:_="">
     <xsd:import namespace="7fe71cfb-81ed-4b9d-9a1f-cae1a72b62ba"/>
@@ -48065,7 +48082,7 @@
 </ct:contentTypeSchema>
 </file>
 
-<file path=customXml/item2.xml><?xml version="1.0" encoding="utf-8"?>
+<file path=customXml/item3.xml><?xml version="1.0" encoding="utf-8"?>
 <?mso-contentType ?>
 <FormTemplates xmlns="http://schemas.microsoft.com/sharepoint/v3/contenttype/forms">
   <Display>DocumentLibraryForm</Display>
@@ -48074,18 +48091,24 @@
 </FormTemplates>
 </file>
 
-<file path=customXml/item3.xml><?xml version="1.0" encoding="utf-8"?>
-<p:properties xmlns:p="http://schemas.microsoft.com/office/2006/metadata/properties" xmlns:xsi="http://www.w3.org/2001/XMLSchema-instance" xmlns:pc="http://schemas.microsoft.com/office/infopath/2007/PartnerControls">
-  <documentManagement>
-    <lcf76f155ced4ddcb4097134ff3c332f xmlns="7fe71cfb-81ed-4b9d-9a1f-cae1a72b62ba">
-      <Terms xmlns="http://schemas.microsoft.com/office/infopath/2007/PartnerControls"/>
-    </lcf76f155ced4ddcb4097134ff3c332f>
-    <TaxCatchAll xmlns="184be059-f9c1-47a1-baeb-6b78fb5c2cd7" xsi:nil="true"/>
-  </documentManagement>
-</p:properties>
+<file path=customXml/itemProps1.xml><?xml version="1.0" encoding="utf-8"?>
+<ds:datastoreItem xmlns:ds="http://schemas.openxmlformats.org/officeDocument/2006/customXml" ds:itemID="{F0DE5107-EA5C-49BC-849B-82F30D30C53B}">
+  <ds:schemaRefs>
+    <ds:schemaRef ds:uri="http://www.w3.org/XML/1998/namespace"/>
+    <ds:schemaRef ds:uri="http://purl.org/dc/dcmitype/"/>
+    <ds:schemaRef ds:uri="http://schemas.microsoft.com/office/2006/documentManagement/types"/>
+    <ds:schemaRef ds:uri="http://purl.org/dc/elements/1.1/"/>
+    <ds:schemaRef ds:uri="184be059-f9c1-47a1-baeb-6b78fb5c2cd7"/>
+    <ds:schemaRef ds:uri="http://schemas.microsoft.com/office/infopath/2007/PartnerControls"/>
+    <ds:schemaRef ds:uri="http://purl.org/dc/terms/"/>
+    <ds:schemaRef ds:uri="http://schemas.openxmlformats.org/package/2006/metadata/core-properties"/>
+    <ds:schemaRef ds:uri="7fe71cfb-81ed-4b9d-9a1f-cae1a72b62ba"/>
+    <ds:schemaRef ds:uri="http://schemas.microsoft.com/office/2006/metadata/properties"/>
+  </ds:schemaRefs>
+</ds:datastoreItem>
 </file>
 
-<file path=customXml/itemProps1.xml><?xml version="1.0" encoding="utf-8"?>
+<file path=customXml/itemProps2.xml><?xml version="1.0" encoding="utf-8"?>
 <ds:datastoreItem xmlns:ds="http://schemas.openxmlformats.org/officeDocument/2006/customXml" ds:itemID="{F8CD9D9D-7B9F-4443-A564-98662DD48982}">
   <ds:schemaRefs>
     <ds:schemaRef ds:uri="http://schemas.microsoft.com/office/2006/metadata/contentType"/>
@@ -48104,27 +48127,10 @@
 </ds:datastoreItem>
 </file>
 
-<file path=customXml/itemProps2.xml><?xml version="1.0" encoding="utf-8"?>
+<file path=customXml/itemProps3.xml><?xml version="1.0" encoding="utf-8"?>
 <ds:datastoreItem xmlns:ds="http://schemas.openxmlformats.org/officeDocument/2006/customXml" ds:itemID="{632259C9-B307-4FF4-B7D2-DAD5D3FFF000}">
   <ds:schemaRefs>
     <ds:schemaRef ds:uri="http://schemas.microsoft.com/sharepoint/v3/contenttype/forms"/>
   </ds:schemaRefs>
 </ds:datastoreItem>
-</file>
-
-<file path=customXml/itemProps3.xml><?xml version="1.0" encoding="utf-8"?>
-<ds:datastoreItem xmlns:ds="http://schemas.openxmlformats.org/officeDocument/2006/customXml" ds:itemID="{F0DE5107-EA5C-49BC-849B-82F30D30C53B}">
-  <ds:schemaRefs>
-    <ds:schemaRef ds:uri="http://schemas.openxmlformats.org/package/2006/metadata/core-properties"/>
-    <ds:schemaRef ds:uri="http://purl.org/dc/elements/1.1/"/>
-    <ds:schemaRef ds:uri="http://purl.org/dc/terms/"/>
-    <ds:schemaRef ds:uri="http://schemas.microsoft.com/office/2006/metadata/properties"/>
-    <ds:schemaRef ds:uri="http://schemas.microsoft.com/office/2006/documentManagement/types"/>
-    <ds:schemaRef ds:uri="http://purl.org/dc/dcmitype/"/>
-    <ds:schemaRef ds:uri="http://www.w3.org/XML/1998/namespace"/>
-    <ds:schemaRef ds:uri="http://schemas.microsoft.com/office/infopath/2007/PartnerControls"/>
-    <ds:schemaRef ds:uri="184be059-f9c1-47a1-baeb-6b78fb5c2cd7"/>
-    <ds:schemaRef ds:uri="7fe71cfb-81ed-4b9d-9a1f-cae1a72b62ba"/>
-  </ds:schemaRefs>
-</ds:datastoreItem>
 </file>
--- a/zaverecna_zprava.pptx
+++ b/zaverecna_zprava.pptx
@@ -6,6 +6,9 @@
     <p:sldMasterId id="2147483676" r:id="rId5"/>
     <p:sldMasterId id="2147483662" r:id="rId6"/>
   </p:sldMasterIdLst>
+  <p:notesMasterIdLst>
+    <p:notesMasterId r:id="rId75"/>
+  </p:notesMasterIdLst>
   <p:sldIdLst>
     <p:sldId id="263" r:id="rId7"/>
     <p:sldId id="284" r:id="rId8"/>
@@ -218,21 +221,13 @@
             <ac:spMk id="5" creationId="{4215D253-28D8-397B-16EA-990904DC956D}"/>
           </ac:spMkLst>
         </pc:spChg>
-        <pc:picChg chg="add del mod">
-          <ac:chgData name="Hana Žahourová" userId="S::zahh00@vse.cz::230038c9-a3ca-4475-b002-a1afd1b1f2d3" providerId="AD" clId="Web-{F9EF98AD-FB25-AD2C-028F-D74624FAD57C}" dt="2026-01-23T14:35:37.267" v="1"/>
-          <ac:picMkLst>
-            <pc:docMk/>
-            <pc:sldMk cId="4134783077" sldId="378"/>
-            <ac:picMk id="3" creationId="{D7EEC761-18CF-9166-5640-F6A245181751}"/>
-          </ac:picMkLst>
-        </pc:picChg>
       </pc:sldChg>
     </pc:docChg>
   </pc:docChgLst>
   <pc:docChgLst>
     <pc:chgData name="Hana Žahourová" userId="230038c9-a3ca-4475-b002-a1afd1b1f2d3" providerId="ADAL" clId="{0B286381-0C14-58E2-A012-C306F8E3D3E3}"/>
     <pc:docChg chg="custSel delSld modSld">
-      <pc:chgData name="Hana Žahourová" userId="230038c9-a3ca-4475-b002-a1afd1b1f2d3" providerId="ADAL" clId="{0B286381-0C14-58E2-A012-C306F8E3D3E3}" dt="2026-01-24T22:02:38.702" v="61" actId="20577"/>
+      <pc:chgData name="Hana Žahourová" userId="230038c9-a3ca-4475-b002-a1afd1b1f2d3" providerId="ADAL" clId="{0B286381-0C14-58E2-A012-C306F8E3D3E3}" dt="2026-01-29T21:53:52.350" v="62" actId="1076"/>
       <pc:docMkLst>
         <pc:docMk/>
       </pc:docMkLst>
@@ -250,35 +245,6 @@
             <ac:picMk id="3" creationId="{2F82E39F-32B2-C480-FB8A-01DE920FEAB6}"/>
           </ac:picMkLst>
         </pc:picChg>
-        <pc:picChg chg="del mod">
-          <ac:chgData name="Hana Žahourová" userId="230038c9-a3ca-4475-b002-a1afd1b1f2d3" providerId="ADAL" clId="{0B286381-0C14-58E2-A012-C306F8E3D3E3}" dt="2026-01-23T16:13:51.808" v="16" actId="478"/>
-          <ac:picMkLst>
-            <pc:docMk/>
-            <pc:sldMk cId="3208512476" sldId="290"/>
-            <ac:picMk id="4" creationId="{9C696D17-20F0-0754-B521-9E60E89CC5CD}"/>
-          </ac:picMkLst>
-        </pc:picChg>
-      </pc:sldChg>
-      <pc:sldChg chg="del">
-        <pc:chgData name="Hana Žahourová" userId="230038c9-a3ca-4475-b002-a1afd1b1f2d3" providerId="ADAL" clId="{0B286381-0C14-58E2-A012-C306F8E3D3E3}" dt="2026-01-23T16:15:35.547" v="19" actId="2696"/>
-        <pc:sldMkLst>
-          <pc:docMk/>
-          <pc:sldMk cId="353513182" sldId="307"/>
-        </pc:sldMkLst>
-      </pc:sldChg>
-      <pc:sldChg chg="del">
-        <pc:chgData name="Hana Žahourová" userId="230038c9-a3ca-4475-b002-a1afd1b1f2d3" providerId="ADAL" clId="{0B286381-0C14-58E2-A012-C306F8E3D3E3}" dt="2026-01-23T16:15:50.064" v="20" actId="2696"/>
-        <pc:sldMkLst>
-          <pc:docMk/>
-          <pc:sldMk cId="2975686908" sldId="308"/>
-        </pc:sldMkLst>
-      </pc:sldChg>
-      <pc:sldChg chg="del">
-        <pc:chgData name="Hana Žahourová" userId="230038c9-a3ca-4475-b002-a1afd1b1f2d3" providerId="ADAL" clId="{0B286381-0C14-58E2-A012-C306F8E3D3E3}" dt="2026-01-23T16:09:10.241" v="0" actId="2696"/>
-        <pc:sldMkLst>
-          <pc:docMk/>
-          <pc:sldMk cId="1483808561" sldId="319"/>
-        </pc:sldMkLst>
       </pc:sldChg>
       <pc:sldChg chg="modSp mod">
         <pc:chgData name="Hana Žahourová" userId="230038c9-a3ca-4475-b002-a1afd1b1f2d3" providerId="ADAL" clId="{0B286381-0C14-58E2-A012-C306F8E3D3E3}" dt="2026-01-23T16:09:41.027" v="12" actId="20577"/>
@@ -322,6 +288,21 @@
             <pc:docMk/>
             <pc:sldMk cId="2518886386" sldId="350"/>
             <ac:picMk id="4" creationId="{0F29C996-38BF-881F-054F-09B30B691F14}"/>
+          </ac:picMkLst>
+        </pc:picChg>
+      </pc:sldChg>
+      <pc:sldChg chg="modSp mod">
+        <pc:chgData name="Hana Žahourová" userId="230038c9-a3ca-4475-b002-a1afd1b1f2d3" providerId="ADAL" clId="{0B286381-0C14-58E2-A012-C306F8E3D3E3}" dt="2026-01-29T21:53:52.350" v="62" actId="1076"/>
+        <pc:sldMkLst>
+          <pc:docMk/>
+          <pc:sldMk cId="571263290" sldId="368"/>
+        </pc:sldMkLst>
+        <pc:picChg chg="mod">
+          <ac:chgData name="Hana Žahourová" userId="230038c9-a3ca-4475-b002-a1afd1b1f2d3" providerId="ADAL" clId="{0B286381-0C14-58E2-A012-C306F8E3D3E3}" dt="2026-01-29T21:53:52.350" v="62" actId="1076"/>
+          <ac:picMkLst>
+            <pc:docMk/>
+            <pc:sldMk cId="571263290" sldId="368"/>
+            <ac:picMk id="5" creationId="{3602D9A5-ED91-C417-5E70-0763F949E6F4}"/>
           </ac:picMkLst>
         </pc:picChg>
       </pc:sldChg>
@@ -1667,6 +1648,524 @@
 </cs:chartStyle>
 </file>
 
+<file path=ppt/notesMasters/notesMaster1.xml><?xml version="1.0" encoding="utf-8"?>
+<p:notesMaster xmlns:a="http://schemas.openxmlformats.org/drawingml/2006/main" xmlns:r="http://schemas.openxmlformats.org/officeDocument/2006/relationships" xmlns:p="http://schemas.openxmlformats.org/presentationml/2006/main">
+  <p:cSld>
+    <p:bg>
+      <p:bgRef idx="1001">
+        <a:schemeClr val="bg1"/>
+      </p:bgRef>
+    </p:bg>
+    <p:spTree>
+      <p:nvGrpSpPr>
+        <p:cNvPr id="1" name=""/>
+        <p:cNvGrpSpPr/>
+        <p:nvPr/>
+      </p:nvGrpSpPr>
+      <p:grpSpPr>
+        <a:xfrm>
+          <a:off x="0" y="0"/>
+          <a:ext cx="0" cy="0"/>
+          <a:chOff x="0" y="0"/>
+          <a:chExt cx="0" cy="0"/>
+        </a:xfrm>
+      </p:grpSpPr>
+      <p:sp>
+        <p:nvSpPr>
+          <p:cNvPr id="2" name="Header Placeholder 1"/>
+          <p:cNvSpPr>
+            <a:spLocks noGrp="1"/>
+          </p:cNvSpPr>
+          <p:nvPr>
+            <p:ph type="hdr" sz="quarter"/>
+          </p:nvPr>
+        </p:nvSpPr>
+        <p:spPr>
+          <a:xfrm>
+            <a:off x="0" y="0"/>
+            <a:ext cx="2971800" cy="458788"/>
+          </a:xfrm>
+          <a:prstGeom prst="rect">
+            <a:avLst/>
+          </a:prstGeom>
+        </p:spPr>
+        <p:txBody>
+          <a:bodyPr vert="horz" lIns="91440" tIns="45720" rIns="91440" bIns="45720" rtlCol="0"/>
+          <a:lstStyle>
+            <a:lvl1pPr algn="l">
+              <a:defRPr sz="1200"/>
+            </a:lvl1pPr>
+          </a:lstStyle>
+          <a:p>
+            <a:endParaRPr lang="en-CZ"/>
+          </a:p>
+        </p:txBody>
+      </p:sp>
+      <p:sp>
+        <p:nvSpPr>
+          <p:cNvPr id="3" name="Date Placeholder 2"/>
+          <p:cNvSpPr>
+            <a:spLocks noGrp="1"/>
+          </p:cNvSpPr>
+          <p:nvPr>
+            <p:ph type="dt" idx="1"/>
+          </p:nvPr>
+        </p:nvSpPr>
+        <p:spPr>
+          <a:xfrm>
+            <a:off x="3884613" y="0"/>
+            <a:ext cx="2971800" cy="458788"/>
+          </a:xfrm>
+          <a:prstGeom prst="rect">
+            <a:avLst/>
+          </a:prstGeom>
+        </p:spPr>
+        <p:txBody>
+          <a:bodyPr vert="horz" lIns="91440" tIns="45720" rIns="91440" bIns="45720" rtlCol="0"/>
+          <a:lstStyle>
+            <a:lvl1pPr algn="r">
+              <a:defRPr sz="1200"/>
+            </a:lvl1pPr>
+          </a:lstStyle>
+          <a:p>
+            <a:fld id="{8C115072-1EAC-9E4C-8886-077FDBD0BD81}" type="datetimeFigureOut">
+              <a:rPr lang="en-CZ" smtClean="0"/>
+              <a:t>28.01.2026</a:t>
+            </a:fld>
+            <a:endParaRPr lang="en-CZ"/>
+          </a:p>
+        </p:txBody>
+      </p:sp>
+      <p:sp>
+        <p:nvSpPr>
+          <p:cNvPr id="4" name="Slide Image Placeholder 3"/>
+          <p:cNvSpPr>
+            <a:spLocks noGrp="1" noRot="1" noChangeAspect="1"/>
+          </p:cNvSpPr>
+          <p:nvPr>
+            <p:ph type="sldImg" idx="2"/>
+          </p:nvPr>
+        </p:nvSpPr>
+        <p:spPr>
+          <a:xfrm>
+            <a:off x="1371600" y="1143000"/>
+            <a:ext cx="4114800" cy="3086100"/>
+          </a:xfrm>
+          <a:prstGeom prst="rect">
+            <a:avLst/>
+          </a:prstGeom>
+          <a:noFill/>
+          <a:ln w="12700">
+            <a:solidFill>
+              <a:prstClr val="black"/>
+            </a:solidFill>
+          </a:ln>
+        </p:spPr>
+        <p:txBody>
+          <a:bodyPr vert="horz" lIns="91440" tIns="45720" rIns="91440" bIns="45720" rtlCol="0" anchor="ctr"/>
+          <a:lstStyle/>
+          <a:p>
+            <a:endParaRPr lang="en-CZ"/>
+          </a:p>
+        </p:txBody>
+      </p:sp>
+      <p:sp>
+        <p:nvSpPr>
+          <p:cNvPr id="5" name="Notes Placeholder 4"/>
+          <p:cNvSpPr>
+            <a:spLocks noGrp="1"/>
+          </p:cNvSpPr>
+          <p:nvPr>
+            <p:ph type="body" sz="quarter" idx="3"/>
+          </p:nvPr>
+        </p:nvSpPr>
+        <p:spPr>
+          <a:xfrm>
+            <a:off x="685800" y="4400550"/>
+            <a:ext cx="5486400" cy="3600450"/>
+          </a:xfrm>
+          <a:prstGeom prst="rect">
+            <a:avLst/>
+          </a:prstGeom>
+        </p:spPr>
+        <p:txBody>
+          <a:bodyPr vert="horz" lIns="91440" tIns="45720" rIns="91440" bIns="45720" rtlCol="0"/>
+          <a:lstStyle/>
+          <a:p>
+            <a:pPr lvl="0"/>
+            <a:r>
+              <a:rPr lang="en-GB"/>
+              <a:t>Click to edit Master text styles</a:t>
+            </a:r>
+          </a:p>
+          <a:p>
+            <a:pPr lvl="1"/>
+            <a:r>
+              <a:rPr lang="en-GB"/>
+              <a:t>Second level</a:t>
+            </a:r>
+          </a:p>
+          <a:p>
+            <a:pPr lvl="2"/>
+            <a:r>
+              <a:rPr lang="en-GB"/>
+              <a:t>Third level</a:t>
+            </a:r>
+          </a:p>
+          <a:p>
+            <a:pPr lvl="3"/>
+            <a:r>
+              <a:rPr lang="en-GB"/>
+              <a:t>Fourth level</a:t>
+            </a:r>
+          </a:p>
+          <a:p>
+            <a:pPr lvl="4"/>
+            <a:r>
+              <a:rPr lang="en-GB"/>
+              <a:t>Fifth level</a:t>
+            </a:r>
+            <a:endParaRPr lang="en-CZ"/>
+          </a:p>
+        </p:txBody>
+      </p:sp>
+      <p:sp>
+        <p:nvSpPr>
+          <p:cNvPr id="6" name="Footer Placeholder 5"/>
+          <p:cNvSpPr>
+            <a:spLocks noGrp="1"/>
+          </p:cNvSpPr>
+          <p:nvPr>
+            <p:ph type="ftr" sz="quarter" idx="4"/>
+          </p:nvPr>
+        </p:nvSpPr>
+        <p:spPr>
+          <a:xfrm>
+            <a:off x="0" y="8685213"/>
+            <a:ext cx="2971800" cy="458787"/>
+          </a:xfrm>
+          <a:prstGeom prst="rect">
+            <a:avLst/>
+          </a:prstGeom>
+        </p:spPr>
+        <p:txBody>
+          <a:bodyPr vert="horz" lIns="91440" tIns="45720" rIns="91440" bIns="45720" rtlCol="0" anchor="b"/>
+          <a:lstStyle>
+            <a:lvl1pPr algn="l">
+              <a:defRPr sz="1200"/>
+            </a:lvl1pPr>
+          </a:lstStyle>
+          <a:p>
+            <a:endParaRPr lang="en-CZ"/>
+          </a:p>
+        </p:txBody>
+      </p:sp>
+      <p:sp>
+        <p:nvSpPr>
+          <p:cNvPr id="7" name="Slide Number Placeholder 6"/>
+          <p:cNvSpPr>
+            <a:spLocks noGrp="1"/>
+          </p:cNvSpPr>
+          <p:nvPr>
+            <p:ph type="sldNum" sz="quarter" idx="5"/>
+          </p:nvPr>
+        </p:nvSpPr>
+        <p:spPr>
+          <a:xfrm>
+            <a:off x="3884613" y="8685213"/>
+            <a:ext cx="2971800" cy="458787"/>
+          </a:xfrm>
+          <a:prstGeom prst="rect">
+            <a:avLst/>
+          </a:prstGeom>
+        </p:spPr>
+        <p:txBody>
+          <a:bodyPr vert="horz" lIns="91440" tIns="45720" rIns="91440" bIns="45720" rtlCol="0" anchor="b"/>
+          <a:lstStyle>
+            <a:lvl1pPr algn="r">
+              <a:defRPr sz="1200"/>
+            </a:lvl1pPr>
+          </a:lstStyle>
+          <a:p>
+            <a:fld id="{B3D2A1FF-0F59-3041-8278-52F10EDC8AF5}" type="slidenum">
+              <a:rPr lang="en-CZ" smtClean="0"/>
+              <a:t>‹#›</a:t>
+            </a:fld>
+            <a:endParaRPr lang="en-CZ"/>
+          </a:p>
+        </p:txBody>
+      </p:sp>
+    </p:spTree>
+    <p:extLst>
+      <p:ext uri="{BB962C8B-B14F-4D97-AF65-F5344CB8AC3E}">
+        <p14:creationId xmlns:p14="http://schemas.microsoft.com/office/powerpoint/2010/main" val="2041665391"/>
+      </p:ext>
+    </p:extLst>
+  </p:cSld>
+  <p:clrMap bg1="lt1" tx1="dk1" bg2="lt2" tx2="dk2" accent1="accent1" accent2="accent2" accent3="accent3" accent4="accent4" accent5="accent5" accent6="accent6" hlink="hlink" folHlink="folHlink"/>
+  <p:notesStyle>
+    <a:lvl1pPr marL="0" algn="l" defTabSz="914400" rtl="0" eaLnBrk="1" latinLnBrk="0" hangingPunct="1">
+      <a:defRPr sz="1200" kern="1200">
+        <a:solidFill>
+          <a:schemeClr val="tx1"/>
+        </a:solidFill>
+        <a:latin typeface="+mn-lt"/>
+        <a:ea typeface="+mn-ea"/>
+        <a:cs typeface="+mn-cs"/>
+      </a:defRPr>
+    </a:lvl1pPr>
+    <a:lvl2pPr marL="457200" algn="l" defTabSz="914400" rtl="0" eaLnBrk="1" latinLnBrk="0" hangingPunct="1">
+      <a:defRPr sz="1200" kern="1200">
+        <a:solidFill>
+          <a:schemeClr val="tx1"/>
+        </a:solidFill>
+        <a:latin typeface="+mn-lt"/>
+        <a:ea typeface="+mn-ea"/>
+        <a:cs typeface="+mn-cs"/>
+      </a:defRPr>
+    </a:lvl2pPr>
+    <a:lvl3pPr marL="914400" algn="l" defTabSz="914400" rtl="0" eaLnBrk="1" latinLnBrk="0" hangingPunct="1">
+      <a:defRPr sz="1200" kern="1200">
+        <a:solidFill>
+          <a:schemeClr val="tx1"/>
+        </a:solidFill>
+        <a:latin typeface="+mn-lt"/>
+        <a:ea typeface="+mn-ea"/>
+        <a:cs typeface="+mn-cs"/>
+      </a:defRPr>
+    </a:lvl3pPr>
+    <a:lvl4pPr marL="1371600" algn="l" defTabSz="914400" rtl="0" eaLnBrk="1" latinLnBrk="0" hangingPunct="1">
+      <a:defRPr sz="1200" kern="1200">
+        <a:solidFill>
+          <a:schemeClr val="tx1"/>
+        </a:solidFill>
+        <a:latin typeface="+mn-lt"/>
+        <a:ea typeface="+mn-ea"/>
+        <a:cs typeface="+mn-cs"/>
+      </a:defRPr>
+    </a:lvl4pPr>
+    <a:lvl5pPr marL="1828800" algn="l" defTabSz="914400" rtl="0" eaLnBrk="1" latinLnBrk="0" hangingPunct="1">
+      <a:defRPr sz="1200" kern="1200">
+        <a:solidFill>
+          <a:schemeClr val="tx1"/>
+        </a:solidFill>
+        <a:latin typeface="+mn-lt"/>
+        <a:ea typeface="+mn-ea"/>
+        <a:cs typeface="+mn-cs"/>
+      </a:defRPr>
+    </a:lvl5pPr>
+    <a:lvl6pPr marL="2286000" algn="l" defTabSz="914400" rtl="0" eaLnBrk="1" latinLnBrk="0" hangingPunct="1">
+      <a:defRPr sz="1200" kern="1200">
+        <a:solidFill>
+          <a:schemeClr val="tx1"/>
+        </a:solidFill>
+        <a:latin typeface="+mn-lt"/>
+        <a:ea typeface="+mn-ea"/>
+        <a:cs typeface="+mn-cs"/>
+      </a:defRPr>
+    </a:lvl6pPr>
+    <a:lvl7pPr marL="2743200" algn="l" defTabSz="914400" rtl="0" eaLnBrk="1" latinLnBrk="0" hangingPunct="1">
+      <a:defRPr sz="1200" kern="1200">
+        <a:solidFill>
+          <a:schemeClr val="tx1"/>
+        </a:solidFill>
+        <a:latin typeface="+mn-lt"/>
+        <a:ea typeface="+mn-ea"/>
+        <a:cs typeface="+mn-cs"/>
+      </a:defRPr>
+    </a:lvl7pPr>
+    <a:lvl8pPr marL="3200400" algn="l" defTabSz="914400" rtl="0" eaLnBrk="1" latinLnBrk="0" hangingPunct="1">
+      <a:defRPr sz="1200" kern="1200">
+        <a:solidFill>
+          <a:schemeClr val="tx1"/>
+        </a:solidFill>
+        <a:latin typeface="+mn-lt"/>
+        <a:ea typeface="+mn-ea"/>
+        <a:cs typeface="+mn-cs"/>
+      </a:defRPr>
+    </a:lvl8pPr>
+    <a:lvl9pPr marL="3657600" algn="l" defTabSz="914400" rtl="0" eaLnBrk="1" latinLnBrk="0" hangingPunct="1">
+      <a:defRPr sz="1200" kern="1200">
+        <a:solidFill>
+          <a:schemeClr val="tx1"/>
+        </a:solidFill>
+        <a:latin typeface="+mn-lt"/>
+        <a:ea typeface="+mn-ea"/>
+        <a:cs typeface="+mn-cs"/>
+      </a:defRPr>
+    </a:lvl9pPr>
+  </p:notesStyle>
+</p:notesMaster>
+</file>
+
+<file path=ppt/notesSlides/notesSlide1.xml><?xml version="1.0" encoding="utf-8"?>
+<p:notes xmlns:a="http://schemas.openxmlformats.org/drawingml/2006/main" xmlns:r="http://schemas.openxmlformats.org/officeDocument/2006/relationships" xmlns:p="http://schemas.openxmlformats.org/presentationml/2006/main">
+  <p:cSld>
+    <p:spTree>
+      <p:nvGrpSpPr>
+        <p:cNvPr id="1" name=""/>
+        <p:cNvGrpSpPr/>
+        <p:nvPr/>
+      </p:nvGrpSpPr>
+      <p:grpSpPr>
+        <a:xfrm>
+          <a:off x="0" y="0"/>
+          <a:ext cx="0" cy="0"/>
+          <a:chOff x="0" y="0"/>
+          <a:chExt cx="0" cy="0"/>
+        </a:xfrm>
+      </p:grpSpPr>
+      <p:sp>
+        <p:nvSpPr>
+          <p:cNvPr id="2" name="Slide Image Placeholder 1"/>
+          <p:cNvSpPr>
+            <a:spLocks noGrp="1" noRot="1" noChangeAspect="1"/>
+          </p:cNvSpPr>
+          <p:nvPr>
+            <p:ph type="sldImg"/>
+          </p:nvPr>
+        </p:nvSpPr>
+        <p:spPr/>
+      </p:sp>
+      <p:sp>
+        <p:nvSpPr>
+          <p:cNvPr id="3" name="Notes Placeholder 2"/>
+          <p:cNvSpPr>
+            <a:spLocks noGrp="1"/>
+          </p:cNvSpPr>
+          <p:nvPr>
+            <p:ph type="body" idx="1"/>
+          </p:nvPr>
+        </p:nvSpPr>
+        <p:spPr/>
+        <p:txBody>
+          <a:bodyPr/>
+          <a:lstStyle/>
+          <a:p>
+            <a:endParaRPr lang="en-CZ" dirty="0"/>
+          </a:p>
+        </p:txBody>
+      </p:sp>
+      <p:sp>
+        <p:nvSpPr>
+          <p:cNvPr id="4" name="Slide Number Placeholder 3"/>
+          <p:cNvSpPr>
+            <a:spLocks noGrp="1"/>
+          </p:cNvSpPr>
+          <p:nvPr>
+            <p:ph type="sldNum" sz="quarter" idx="5"/>
+          </p:nvPr>
+        </p:nvSpPr>
+        <p:spPr/>
+        <p:txBody>
+          <a:bodyPr/>
+          <a:lstStyle/>
+          <a:p>
+            <a:fld id="{B3D2A1FF-0F59-3041-8278-52F10EDC8AF5}" type="slidenum">
+              <a:rPr lang="en-CZ" smtClean="0"/>
+              <a:t>30</a:t>
+            </a:fld>
+            <a:endParaRPr lang="en-CZ"/>
+          </a:p>
+        </p:txBody>
+      </p:sp>
+    </p:spTree>
+    <p:extLst>
+      <p:ext uri="{BB962C8B-B14F-4D97-AF65-F5344CB8AC3E}">
+        <p14:creationId xmlns:p14="http://schemas.microsoft.com/office/powerpoint/2010/main" val="3971694750"/>
+      </p:ext>
+    </p:extLst>
+  </p:cSld>
+  <p:clrMapOvr>
+    <a:masterClrMapping/>
+  </p:clrMapOvr>
+</p:notes>
+</file>
+
+<file path=ppt/notesSlides/notesSlide2.xml><?xml version="1.0" encoding="utf-8"?>
+<p:notes xmlns:a="http://schemas.openxmlformats.org/drawingml/2006/main" xmlns:r="http://schemas.openxmlformats.org/officeDocument/2006/relationships" xmlns:p="http://schemas.openxmlformats.org/presentationml/2006/main">
+  <p:cSld>
+    <p:spTree>
+      <p:nvGrpSpPr>
+        <p:cNvPr id="1" name=""/>
+        <p:cNvGrpSpPr/>
+        <p:nvPr/>
+      </p:nvGrpSpPr>
+      <p:grpSpPr>
+        <a:xfrm>
+          <a:off x="0" y="0"/>
+          <a:ext cx="0" cy="0"/>
+          <a:chOff x="0" y="0"/>
+          <a:chExt cx="0" cy="0"/>
+        </a:xfrm>
+      </p:grpSpPr>
+      <p:sp>
+        <p:nvSpPr>
+          <p:cNvPr id="2" name="Slide Image Placeholder 1"/>
+          <p:cNvSpPr>
+            <a:spLocks noGrp="1" noRot="1" noChangeAspect="1"/>
+          </p:cNvSpPr>
+          <p:nvPr>
+            <p:ph type="sldImg"/>
+          </p:nvPr>
+        </p:nvSpPr>
+        <p:spPr/>
+      </p:sp>
+      <p:sp>
+        <p:nvSpPr>
+          <p:cNvPr id="3" name="Notes Placeholder 2"/>
+          <p:cNvSpPr>
+            <a:spLocks noGrp="1"/>
+          </p:cNvSpPr>
+          <p:nvPr>
+            <p:ph type="body" idx="1"/>
+          </p:nvPr>
+        </p:nvSpPr>
+        <p:spPr/>
+        <p:txBody>
+          <a:bodyPr/>
+          <a:lstStyle/>
+          <a:p>
+            <a:endParaRPr lang="en-CZ" dirty="0"/>
+          </a:p>
+        </p:txBody>
+      </p:sp>
+      <p:sp>
+        <p:nvSpPr>
+          <p:cNvPr id="4" name="Slide Number Placeholder 3"/>
+          <p:cNvSpPr>
+            <a:spLocks noGrp="1"/>
+          </p:cNvSpPr>
+          <p:nvPr>
+            <p:ph type="sldNum" sz="quarter" idx="5"/>
+          </p:nvPr>
+        </p:nvSpPr>
+        <p:spPr/>
+        <p:txBody>
+          <a:bodyPr/>
+          <a:lstStyle/>
+          <a:p>
+            <a:fld id="{B3D2A1FF-0F59-3041-8278-52F10EDC8AF5}" type="slidenum">
+              <a:rPr lang="en-CZ" smtClean="0"/>
+              <a:t>32</a:t>
+            </a:fld>
+            <a:endParaRPr lang="en-CZ"/>
+          </a:p>
+        </p:txBody>
+      </p:sp>
+    </p:spTree>
+    <p:extLst>
+      <p:ext uri="{BB962C8B-B14F-4D97-AF65-F5344CB8AC3E}">
+        <p14:creationId xmlns:p14="http://schemas.microsoft.com/office/powerpoint/2010/main" val="605345657"/>
+      </p:ext>
+    </p:extLst>
+  </p:cSld>
+  <p:clrMapOvr>
+    <a:masterClrMapping/>
+  </p:clrMapOvr>
+</p:notes>
+</file>
+
 <file path=ppt/slideLayouts/slideLayout1.xml><?xml version="1.0" encoding="utf-8"?>
 <p:sldLayout xmlns:a="http://schemas.openxmlformats.org/drawingml/2006/main" xmlns:r="http://schemas.openxmlformats.org/officeDocument/2006/relationships" xmlns:p="http://schemas.openxmlformats.org/presentationml/2006/main" preserve="1" userDrawn="1">
   <p:cSld name="Úvodní snímek">
@@ -2131,7 +2630,7 @@
           <a:p>
             <a:fld id="{8B329ADC-2255-4EF3-B5C0-B90829E78CD9}" type="datetimeFigureOut">
               <a:rPr lang="cs-CZ" smtClean="0"/>
-              <a:t>24.01.2026</a:t>
+              <a:t>28.01.2026</a:t>
             </a:fld>
             <a:endParaRPr lang="cs-CZ"/>
           </a:p>
@@ -2289,7 +2788,7 @@
           <a:p>
             <a:fld id="{8B329ADC-2255-4EF3-B5C0-B90829E78CD9}" type="datetimeFigureOut">
               <a:rPr lang="cs-CZ" smtClean="0"/>
-              <a:t>24.01.2026</a:t>
+              <a:t>28.01.2026</a:t>
             </a:fld>
             <a:endParaRPr lang="cs-CZ"/>
           </a:p>
@@ -4012,7 +4511,7 @@
           <a:p>
             <a:fld id="{8B329ADC-2255-4EF3-B5C0-B90829E78CD9}" type="datetimeFigureOut">
               <a:rPr lang="cs-CZ" smtClean="0"/>
-              <a:t>24.01.2026</a:t>
+              <a:t>28.01.2026</a:t>
             </a:fld>
             <a:endParaRPr lang="cs-CZ"/>
           </a:p>
@@ -4312,7 +4811,7 @@
           <a:p>
             <a:fld id="{8B329ADC-2255-4EF3-B5C0-B90829E78CD9}" type="datetimeFigureOut">
               <a:rPr lang="cs-CZ" smtClean="0"/>
-              <a:t>24.01.2026</a:t>
+              <a:t>28.01.2026</a:t>
             </a:fld>
             <a:endParaRPr lang="cs-CZ"/>
           </a:p>
@@ -4950,7 +5449,7 @@
           <a:p>
             <a:fld id="{8B329ADC-2255-4EF3-B5C0-B90829E78CD9}" type="datetimeFigureOut">
               <a:rPr lang="cs-CZ" smtClean="0"/>
-              <a:t>24.01.2026</a:t>
+              <a:t>28.01.2026</a:t>
             </a:fld>
             <a:endParaRPr lang="cs-CZ"/>
           </a:p>
@@ -5182,7 +5681,7 @@
           <a:p>
             <a:fld id="{8B329ADC-2255-4EF3-B5C0-B90829E78CD9}" type="datetimeFigureOut">
               <a:rPr lang="cs-CZ" smtClean="0"/>
-              <a:t>24.01.2026</a:t>
+              <a:t>28.01.2026</a:t>
             </a:fld>
             <a:endParaRPr lang="cs-CZ"/>
           </a:p>
@@ -5469,7 +5968,7 @@
           <a:p>
             <a:fld id="{8B329ADC-2255-4EF3-B5C0-B90829E78CD9}" type="datetimeFigureOut">
               <a:rPr lang="cs-CZ" smtClean="0"/>
-              <a:t>24.01.2026</a:t>
+              <a:t>28.01.2026</a:t>
             </a:fld>
             <a:endParaRPr lang="cs-CZ"/>
           </a:p>
@@ -5746,7 +6245,7 @@
           <a:p>
             <a:fld id="{8B329ADC-2255-4EF3-B5C0-B90829E78CD9}" type="datetimeFigureOut">
               <a:rPr lang="cs-CZ" smtClean="0"/>
-              <a:t>24.01.2026</a:t>
+              <a:t>28.01.2026</a:t>
             </a:fld>
             <a:endParaRPr lang="cs-CZ"/>
           </a:p>
@@ -6170,7 +6669,7 @@
           <a:p>
             <a:fld id="{8B329ADC-2255-4EF3-B5C0-B90829E78CD9}" type="datetimeFigureOut">
               <a:rPr lang="cs-CZ" smtClean="0"/>
-              <a:t>24.01.2026</a:t>
+              <a:t>28.01.2026</a:t>
             </a:fld>
             <a:endParaRPr lang="cs-CZ"/>
           </a:p>
@@ -6323,7 +6822,7 @@
           <a:p>
             <a:fld id="{8B329ADC-2255-4EF3-B5C0-B90829E78CD9}" type="datetimeFigureOut">
               <a:rPr lang="cs-CZ" smtClean="0"/>
-              <a:t>24.01.2026</a:t>
+              <a:t>28.01.2026</a:t>
             </a:fld>
             <a:endParaRPr lang="cs-CZ"/>
           </a:p>
@@ -6476,7 +6975,7 @@
           <a:p>
             <a:fld id="{8B329ADC-2255-4EF3-B5C0-B90829E78CD9}" type="datetimeFigureOut">
               <a:rPr lang="cs-CZ" smtClean="0"/>
-              <a:t>24.01.2026</a:t>
+              <a:t>28.01.2026</a:t>
             </a:fld>
             <a:endParaRPr lang="cs-CZ"/>
           </a:p>
@@ -6793,7 +7292,7 @@
           <a:p>
             <a:fld id="{CD529CD2-0146-4F3B-A4AA-75EB0CF2F752}" type="datetimeFigureOut">
               <a:rPr lang="cs-CZ" smtClean="0"/>
-              <a:t>24.01.2026</a:t>
+              <a:t>28.01.2026</a:t>
             </a:fld>
             <a:endParaRPr lang="cs-CZ"/>
           </a:p>
@@ -7414,7 +7913,7 @@
           <a:p>
             <a:fld id="{CD529CD2-0146-4F3B-A4AA-75EB0CF2F752}" type="datetimeFigureOut">
               <a:rPr lang="cs-CZ" smtClean="0"/>
-              <a:t>24.01.2026</a:t>
+              <a:t>28.01.2026</a:t>
             </a:fld>
             <a:endParaRPr lang="cs-CZ"/>
           </a:p>
@@ -8110,7 +8609,7 @@
             <a:fld id="{8B329ADC-2255-4EF3-B5C0-B90829E78CD9}" type="datetimeFigureOut">
               <a:rPr lang="cs-CZ" smtClean="0"/>
               <a:pPr/>
-              <a:t>24.01.2026</a:t>
+              <a:t>28.01.2026</a:t>
             </a:fld>
             <a:endParaRPr lang="cs-CZ" dirty="0">
               <a:latin typeface="Arial" panose="020B0604020202020204" pitchFamily="34" charset="0"/>
@@ -23184,7 +23683,7 @@
           <p:nvPr/>
         </p:nvPicPr>
         <p:blipFill>
-          <a:blip r:embed="rId2"/>
+          <a:blip r:embed="rId3"/>
           <a:stretch>
             <a:fillRect/>
           </a:stretch>
@@ -23622,7 +24121,7 @@
           <p:nvPr/>
         </p:nvPicPr>
         <p:blipFill>
-          <a:blip r:embed="rId2"/>
+          <a:blip r:embed="rId3"/>
           <a:stretch>
             <a:fillRect/>
           </a:stretch>
@@ -30789,7 +31288,7 @@
         </p:blipFill>
         <p:spPr>
           <a:xfrm>
-            <a:off x="-22528" y="2274736"/>
+            <a:off x="0" y="2274736"/>
             <a:ext cx="9166528" cy="4583264"/>
           </a:xfrm>
           <a:prstGeom prst="rect">
@@ -47842,7 +48341,331 @@
 </a:theme>
 </file>
 
+<file path=ppt/theme/theme4.xml><?xml version="1.0" encoding="utf-8"?>
+<a:theme xmlns:a="http://schemas.openxmlformats.org/drawingml/2006/main" name="Office Theme">
+  <a:themeElements>
+    <a:clrScheme name="Office">
+      <a:dk1>
+        <a:sysClr val="windowText" lastClr="000000"/>
+      </a:dk1>
+      <a:lt1>
+        <a:sysClr val="window" lastClr="FFFFFF"/>
+      </a:lt1>
+      <a:dk2>
+        <a:srgbClr val="0E2841"/>
+      </a:dk2>
+      <a:lt2>
+        <a:srgbClr val="E8E8E8"/>
+      </a:lt2>
+      <a:accent1>
+        <a:srgbClr val="156082"/>
+      </a:accent1>
+      <a:accent2>
+        <a:srgbClr val="E97132"/>
+      </a:accent2>
+      <a:accent3>
+        <a:srgbClr val="196B24"/>
+      </a:accent3>
+      <a:accent4>
+        <a:srgbClr val="0F9ED5"/>
+      </a:accent4>
+      <a:accent5>
+        <a:srgbClr val="A02B93"/>
+      </a:accent5>
+      <a:accent6>
+        <a:srgbClr val="4EA72E"/>
+      </a:accent6>
+      <a:hlink>
+        <a:srgbClr val="467886"/>
+      </a:hlink>
+      <a:folHlink>
+        <a:srgbClr val="96607D"/>
+      </a:folHlink>
+    </a:clrScheme>
+    <a:fontScheme name="Office">
+      <a:majorFont>
+        <a:latin typeface="Aptos Display" panose="02110004020202020204"/>
+        <a:ea typeface=""/>
+        <a:cs typeface=""/>
+        <a:font script="Jpan" typeface="游ゴシック Light"/>
+        <a:font script="Hang" typeface="맑은 고딕"/>
+        <a:font script="Hans" typeface="等线 Light"/>
+        <a:font script="Hant" typeface="新細明體"/>
+        <a:font script="Arab" typeface="Times New Roman"/>
+        <a:font script="Hebr" typeface="Times New Roman"/>
+        <a:font script="Thai" typeface="Angsana New"/>
+        <a:font script="Ethi" typeface="Nyala"/>
+        <a:font script="Beng" typeface="Vrinda"/>
+        <a:font script="Gujr" typeface="Shruti"/>
+        <a:font script="Khmr" typeface="MoolBoran"/>
+        <a:font script="Knda" typeface="Tunga"/>
+        <a:font script="Guru" typeface="Raavi"/>
+        <a:font script="Cans" typeface="Euphemia"/>
+        <a:font script="Cher" typeface="Plantagenet Cherokee"/>
+        <a:font script="Yiii" typeface="Microsoft Yi Baiti"/>
+        <a:font script="Tibt" typeface="Microsoft Himalaya"/>
+        <a:font script="Thaa" typeface="MV Boli"/>
+        <a:font script="Deva" typeface="Mangal"/>
+        <a:font script="Telu" typeface="Gautami"/>
+        <a:font script="Taml" typeface="Latha"/>
+        <a:font script="Syrc" typeface="Estrangelo Edessa"/>
+        <a:font script="Orya" typeface="Kalinga"/>
+        <a:font script="Mlym" typeface="Kartika"/>
+        <a:font script="Laoo" typeface="DokChampa"/>
+        <a:font script="Sinh" typeface="Iskoola Pota"/>
+        <a:font script="Mong" typeface="Mongolian Baiti"/>
+        <a:font script="Viet" typeface="Times New Roman"/>
+        <a:font script="Uigh" typeface="Microsoft Uighur"/>
+        <a:font script="Geor" typeface="Sylfaen"/>
+        <a:font script="Armn" typeface="Arial"/>
+        <a:font script="Bugi" typeface="Leelawadee UI"/>
+        <a:font script="Bopo" typeface="Microsoft JhengHei"/>
+        <a:font script="Java" typeface="Javanese Text"/>
+        <a:font script="Lisu" typeface="Segoe UI"/>
+        <a:font script="Mymr" typeface="Myanmar Text"/>
+        <a:font script="Nkoo" typeface="Ebrima"/>
+        <a:font script="Olck" typeface="Nirmala UI"/>
+        <a:font script="Osma" typeface="Ebrima"/>
+        <a:font script="Phag" typeface="Phagspa"/>
+        <a:font script="Syrn" typeface="Estrangelo Edessa"/>
+        <a:font script="Syrj" typeface="Estrangelo Edessa"/>
+        <a:font script="Syre" typeface="Estrangelo Edessa"/>
+        <a:font script="Sora" typeface="Nirmala UI"/>
+        <a:font script="Tale" typeface="Microsoft Tai Le"/>
+        <a:font script="Talu" typeface="Microsoft New Tai Lue"/>
+        <a:font script="Tfng" typeface="Ebrima"/>
+      </a:majorFont>
+      <a:minorFont>
+        <a:latin typeface="Aptos" panose="02110004020202020204"/>
+        <a:ea typeface=""/>
+        <a:cs typeface=""/>
+        <a:font script="Jpan" typeface="游ゴシック"/>
+        <a:font script="Hang" typeface="맑은 고딕"/>
+        <a:font script="Hans" typeface="等线"/>
+        <a:font script="Hant" typeface="新細明體"/>
+        <a:font script="Arab" typeface="Arial"/>
+        <a:font script="Hebr" typeface="Arial"/>
+        <a:font script="Thai" typeface="Cordia New"/>
+        <a:font script="Ethi" typeface="Nyala"/>
+        <a:font script="Beng" typeface="Vrinda"/>
+        <a:font script="Gujr" typeface="Shruti"/>
+        <a:font script="Khmr" typeface="DaunPenh"/>
+        <a:font script="Knda" typeface="Tunga"/>
+        <a:font script="Guru" typeface="Raavi"/>
+        <a:font script="Cans" typeface="Euphemia"/>
+        <a:font script="Cher" typeface="Plantagenet Cherokee"/>
+        <a:font script="Yiii" typeface="Microsoft Yi Baiti"/>
+        <a:font script="Tibt" typeface="Microsoft Himalaya"/>
+        <a:font script="Thaa" typeface="MV Boli"/>
+        <a:font script="Deva" typeface="Mangal"/>
+        <a:font script="Telu" typeface="Gautami"/>
+        <a:font script="Taml" typeface="Latha"/>
+        <a:font script="Syrc" typeface="Estrangelo Edessa"/>
+        <a:font script="Orya" typeface="Kalinga"/>
+        <a:font script="Mlym" typeface="Kartika"/>
+        <a:font script="Laoo" typeface="DokChampa"/>
+        <a:font script="Sinh" typeface="Iskoola Pota"/>
+        <a:font script="Mong" typeface="Mongolian Baiti"/>
+        <a:font script="Viet" typeface="Arial"/>
+        <a:font script="Uigh" typeface="Microsoft Uighur"/>
+        <a:font script="Geor" typeface="Sylfaen"/>
+        <a:font script="Armn" typeface="Arial"/>
+        <a:font script="Bugi" typeface="Leelawadee UI"/>
+        <a:font script="Bopo" typeface="Microsoft JhengHei"/>
+        <a:font script="Java" typeface="Javanese Text"/>
+        <a:font script="Lisu" typeface="Segoe UI"/>
+        <a:font script="Mymr" typeface="Myanmar Text"/>
+        <a:font script="Nkoo" typeface="Ebrima"/>
+        <a:font script="Olck" typeface="Nirmala UI"/>
+        <a:font script="Osma" typeface="Ebrima"/>
+        <a:font script="Phag" typeface="Phagspa"/>
+        <a:font script="Syrn" typeface="Estrangelo Edessa"/>
+        <a:font script="Syrj" typeface="Estrangelo Edessa"/>
+        <a:font script="Syre" typeface="Estrangelo Edessa"/>
+        <a:font script="Sora" typeface="Nirmala UI"/>
+        <a:font script="Tale" typeface="Microsoft Tai Le"/>
+        <a:font script="Talu" typeface="Microsoft New Tai Lue"/>
+        <a:font script="Tfng" typeface="Ebrima"/>
+      </a:minorFont>
+    </a:fontScheme>
+    <a:fmtScheme name="Office">
+      <a:fillStyleLst>
+        <a:solidFill>
+          <a:schemeClr val="phClr"/>
+        </a:solidFill>
+        <a:gradFill rotWithShape="1">
+          <a:gsLst>
+            <a:gs pos="0">
+              <a:schemeClr val="phClr">
+                <a:lumMod val="110000"/>
+                <a:satMod val="105000"/>
+                <a:tint val="67000"/>
+              </a:schemeClr>
+            </a:gs>
+            <a:gs pos="50000">
+              <a:schemeClr val="phClr">
+                <a:lumMod val="105000"/>
+                <a:satMod val="103000"/>
+                <a:tint val="73000"/>
+              </a:schemeClr>
+            </a:gs>
+            <a:gs pos="100000">
+              <a:schemeClr val="phClr">
+                <a:lumMod val="105000"/>
+                <a:satMod val="109000"/>
+                <a:tint val="81000"/>
+              </a:schemeClr>
+            </a:gs>
+          </a:gsLst>
+          <a:lin ang="5400000" scaled="0"/>
+        </a:gradFill>
+        <a:gradFill rotWithShape="1">
+          <a:gsLst>
+            <a:gs pos="0">
+              <a:schemeClr val="phClr">
+                <a:satMod val="103000"/>
+                <a:lumMod val="102000"/>
+                <a:tint val="94000"/>
+              </a:schemeClr>
+            </a:gs>
+            <a:gs pos="50000">
+              <a:schemeClr val="phClr">
+                <a:satMod val="110000"/>
+                <a:lumMod val="100000"/>
+                <a:shade val="100000"/>
+              </a:schemeClr>
+            </a:gs>
+            <a:gs pos="100000">
+              <a:schemeClr val="phClr">
+                <a:lumMod val="99000"/>
+                <a:satMod val="120000"/>
+                <a:shade val="78000"/>
+              </a:schemeClr>
+            </a:gs>
+          </a:gsLst>
+          <a:lin ang="5400000" scaled="0"/>
+        </a:gradFill>
+      </a:fillStyleLst>
+      <a:lnStyleLst>
+        <a:ln w="12700" cap="flat" cmpd="sng" algn="ctr">
+          <a:solidFill>
+            <a:schemeClr val="phClr"/>
+          </a:solidFill>
+          <a:prstDash val="solid"/>
+          <a:miter lim="800000"/>
+        </a:ln>
+        <a:ln w="19050" cap="flat" cmpd="sng" algn="ctr">
+          <a:solidFill>
+            <a:schemeClr val="phClr"/>
+          </a:solidFill>
+          <a:prstDash val="solid"/>
+          <a:miter lim="800000"/>
+        </a:ln>
+        <a:ln w="25400" cap="flat" cmpd="sng" algn="ctr">
+          <a:solidFill>
+            <a:schemeClr val="phClr"/>
+          </a:solidFill>
+          <a:prstDash val="solid"/>
+          <a:miter lim="800000"/>
+        </a:ln>
+      </a:lnStyleLst>
+      <a:effectStyleLst>
+        <a:effectStyle>
+          <a:effectLst/>
+        </a:effectStyle>
+        <a:effectStyle>
+          <a:effectLst/>
+        </a:effectStyle>
+        <a:effectStyle>
+          <a:effectLst>
+            <a:outerShdw blurRad="57150" dist="19050" dir="5400000" algn="ctr" rotWithShape="0">
+              <a:srgbClr val="000000">
+                <a:alpha val="63000"/>
+              </a:srgbClr>
+            </a:outerShdw>
+          </a:effectLst>
+        </a:effectStyle>
+      </a:effectStyleLst>
+      <a:bgFillStyleLst>
+        <a:solidFill>
+          <a:schemeClr val="phClr"/>
+        </a:solidFill>
+        <a:solidFill>
+          <a:schemeClr val="phClr">
+            <a:tint val="95000"/>
+            <a:satMod val="170000"/>
+          </a:schemeClr>
+        </a:solidFill>
+        <a:gradFill rotWithShape="1">
+          <a:gsLst>
+            <a:gs pos="0">
+              <a:schemeClr val="phClr">
+                <a:tint val="93000"/>
+                <a:satMod val="150000"/>
+                <a:shade val="98000"/>
+                <a:lumMod val="102000"/>
+              </a:schemeClr>
+            </a:gs>
+            <a:gs pos="50000">
+              <a:schemeClr val="phClr">
+                <a:tint val="98000"/>
+                <a:satMod val="130000"/>
+                <a:shade val="90000"/>
+                <a:lumMod val="103000"/>
+              </a:schemeClr>
+            </a:gs>
+            <a:gs pos="100000">
+              <a:schemeClr val="phClr">
+                <a:shade val="63000"/>
+                <a:satMod val="120000"/>
+              </a:schemeClr>
+            </a:gs>
+          </a:gsLst>
+          <a:lin ang="5400000" scaled="0"/>
+        </a:gradFill>
+      </a:bgFillStyleLst>
+    </a:fmtScheme>
+  </a:themeElements>
+  <a:objectDefaults>
+    <a:lnDef>
+      <a:spPr/>
+      <a:bodyPr/>
+      <a:lstStyle/>
+      <a:style>
+        <a:lnRef idx="2">
+          <a:schemeClr val="accent1"/>
+        </a:lnRef>
+        <a:fillRef idx="0">
+          <a:schemeClr val="accent1"/>
+        </a:fillRef>
+        <a:effectRef idx="1">
+          <a:schemeClr val="accent1"/>
+        </a:effectRef>
+        <a:fontRef idx="minor">
+          <a:schemeClr val="tx1"/>
+        </a:fontRef>
+      </a:style>
+    </a:lnDef>
+  </a:objectDefaults>
+  <a:extraClrSchemeLst/>
+  <a:extLst>
+    <a:ext uri="{05A4C25C-085E-4340-85A3-A5531E510DB2}">
+      <thm15:themeFamily xmlns:thm15="http://schemas.microsoft.com/office/thememl/2012/main" name="Office Theme" id="{2E142A2C-CD16-42D6-873A-C26D2A0506FA}" vid="{1BDDFF52-6CD6-40A5-AB3C-68EB2F1E4D0A}"/>
+    </a:ext>
+  </a:extLst>
+</a:theme>
+</file>
+
 <file path=customXml/item1.xml><?xml version="1.0" encoding="utf-8"?>
+<?mso-contentType ?>
+<FormTemplates xmlns="http://schemas.microsoft.com/sharepoint/v3/contenttype/forms">
+  <Display>DocumentLibraryForm</Display>
+  <Edit>DocumentLibraryForm</Edit>
+  <New>DocumentLibraryForm</New>
+</FormTemplates>
+</file>
+
+<file path=customXml/item2.xml><?xml version="1.0" encoding="utf-8"?>
 <p:properties xmlns:p="http://schemas.microsoft.com/office/2006/metadata/properties" xmlns:xsi="http://www.w3.org/2001/XMLSchema-instance" xmlns:pc="http://schemas.microsoft.com/office/infopath/2007/PartnerControls">
   <documentManagement>
     <lcf76f155ced4ddcb4097134ff3c332f xmlns="7fe71cfb-81ed-4b9d-9a1f-cae1a72b62ba">
@@ -47853,7 +48676,7 @@
 </p:properties>
 </file>
 
-<file path=customXml/item2.xml><?xml version="1.0" encoding="utf-8"?>
+<file path=customXml/item3.xml><?xml version="1.0" encoding="utf-8"?>
 <ct:contentTypeSchema xmlns:ct="http://schemas.microsoft.com/office/2006/metadata/contentType" xmlns:ma="http://schemas.microsoft.com/office/2006/metadata/properties/metaAttributes" ct:_="" ma:_="" ma:contentTypeName="Dokument" ma:contentTypeID="0x010100A5EAD61CDED85140BF5B934B48DD3484" ma:contentTypeVersion="15" ma:contentTypeDescription="Vytvoří nový dokument" ma:contentTypeScope="" ma:versionID="57c7acc678d4da0b8ba39acd8e916ed2">
   <xsd:schema xmlns:xsd="http://www.w3.org/2001/XMLSchema" xmlns:xs="http://www.w3.org/2001/XMLSchema" xmlns:p="http://schemas.microsoft.com/office/2006/metadata/properties" xmlns:ns2="7fe71cfb-81ed-4b9d-9a1f-cae1a72b62ba" xmlns:ns3="184be059-f9c1-47a1-baeb-6b78fb5c2cd7" targetNamespace="http://schemas.microsoft.com/office/2006/metadata/properties" ma:root="true" ma:fieldsID="00b82b4a7cf6d93894e416bb4502bf8f" ns2:_="" ns3:_="">
     <xsd:import namespace="7fe71cfb-81ed-4b9d-9a1f-cae1a72b62ba"/>
@@ -48082,33 +48905,32 @@
 </ct:contentTypeSchema>
 </file>
 
-<file path=customXml/item3.xml><?xml version="1.0" encoding="utf-8"?>
-<?mso-contentType ?>
-<FormTemplates xmlns="http://schemas.microsoft.com/sharepoint/v3/contenttype/forms">
-  <Display>DocumentLibraryForm</Display>
-  <Edit>DocumentLibraryForm</Edit>
-  <New>DocumentLibraryForm</New>
-</FormTemplates>
-</file>
-
 <file path=customXml/itemProps1.xml><?xml version="1.0" encoding="utf-8"?>
-<ds:datastoreItem xmlns:ds="http://schemas.openxmlformats.org/officeDocument/2006/customXml" ds:itemID="{F0DE5107-EA5C-49BC-849B-82F30D30C53B}">
+<ds:datastoreItem xmlns:ds="http://schemas.openxmlformats.org/officeDocument/2006/customXml" ds:itemID="{632259C9-B307-4FF4-B7D2-DAD5D3FFF000}">
   <ds:schemaRefs>
-    <ds:schemaRef ds:uri="http://www.w3.org/XML/1998/namespace"/>
-    <ds:schemaRef ds:uri="http://purl.org/dc/dcmitype/"/>
-    <ds:schemaRef ds:uri="http://schemas.microsoft.com/office/2006/documentManagement/types"/>
-    <ds:schemaRef ds:uri="http://purl.org/dc/elements/1.1/"/>
-    <ds:schemaRef ds:uri="184be059-f9c1-47a1-baeb-6b78fb5c2cd7"/>
-    <ds:schemaRef ds:uri="http://schemas.microsoft.com/office/infopath/2007/PartnerControls"/>
-    <ds:schemaRef ds:uri="http://purl.org/dc/terms/"/>
-    <ds:schemaRef ds:uri="http://schemas.openxmlformats.org/package/2006/metadata/core-properties"/>
-    <ds:schemaRef ds:uri="7fe71cfb-81ed-4b9d-9a1f-cae1a72b62ba"/>
-    <ds:schemaRef ds:uri="http://schemas.microsoft.com/office/2006/metadata/properties"/>
+    <ds:schemaRef ds:uri="http://schemas.microsoft.com/sharepoint/v3/contenttype/forms"/>
   </ds:schemaRefs>
 </ds:datastoreItem>
 </file>
 
 <file path=customXml/itemProps2.xml><?xml version="1.0" encoding="utf-8"?>
+<ds:datastoreItem xmlns:ds="http://schemas.openxmlformats.org/officeDocument/2006/customXml" ds:itemID="{F0DE5107-EA5C-49BC-849B-82F30D30C53B}">
+  <ds:schemaRefs>
+    <ds:schemaRef ds:uri="7fe71cfb-81ed-4b9d-9a1f-cae1a72b62ba"/>
+    <ds:schemaRef ds:uri="http://schemas.microsoft.com/office/2006/documentManagement/types"/>
+    <ds:schemaRef ds:uri="http://purl.org/dc/dcmitype/"/>
+    <ds:schemaRef ds:uri="http://purl.org/dc/elements/1.1/"/>
+    <ds:schemaRef ds:uri="184be059-f9c1-47a1-baeb-6b78fb5c2cd7"/>
+    <ds:schemaRef ds:uri="http://schemas.microsoft.com/office/2006/metadata/properties"/>
+    <ds:schemaRef ds:uri="http://www.w3.org/XML/1998/namespace"/>
+    <ds:schemaRef ds:uri="http://schemas.microsoft.com/office/infopath/2007/PartnerControls"/>
+    <ds:schemaRef ds:uri="http://schemas.openxmlformats.org/package/2006/metadata/core-properties"/>
+    <ds:schemaRef ds:uri="http://purl.org/dc/terms/"/>
+  </ds:schemaRefs>
+</ds:datastoreItem>
+</file>
+
+<file path=customXml/itemProps3.xml><?xml version="1.0" encoding="utf-8"?>
 <ds:datastoreItem xmlns:ds="http://schemas.openxmlformats.org/officeDocument/2006/customXml" ds:itemID="{F8CD9D9D-7B9F-4443-A564-98662DD48982}">
   <ds:schemaRefs>
     <ds:schemaRef ds:uri="http://schemas.microsoft.com/office/2006/metadata/contentType"/>
@@ -48125,12 +48947,4 @@
     <ds:schemaRef ds:uri="http://schemas.microsoft.com/internal/obd"/>
   </ds:schemaRefs>
 </ds:datastoreItem>
-</file>
-
-<file path=customXml/itemProps3.xml><?xml version="1.0" encoding="utf-8"?>
-<ds:datastoreItem xmlns:ds="http://schemas.openxmlformats.org/officeDocument/2006/customXml" ds:itemID="{632259C9-B307-4FF4-B7D2-DAD5D3FFF000}">
-  <ds:schemaRefs>
-    <ds:schemaRef ds:uri="http://schemas.microsoft.com/sharepoint/v3/contenttype/forms"/>
-  </ds:schemaRefs>
-</ds:datastoreItem>
 </file>